--- a/BrainStation/excel/excel Advanced prep/Excel AdvancedS8.pptx
+++ b/BrainStation/excel/excel Advanced prep/Excel AdvancedS8.pptx
@@ -199,7 +199,7 @@
           <a:p>
             <a:fld id="{1EBEDD12-BCD5-485B-BCBC-34BB01D7923C}" type="datetimeFigureOut">
               <a:rPr lang="en-US" smtClean="0"/>
-              <a:t>1/10/2025</a:t>
+              <a:t>1/11/2025</a:t>
             </a:fld>
             <a:endParaRPr lang="en-US" dirty="0"/>
           </a:p>
@@ -413,7 +413,7 @@
           <a:p>
             <a:fld id="{6EE7A52F-9D89-7442-A8E9-48D1527B5F6B}" type="datetimeFigureOut">
               <a:rPr lang="en-US" smtClean="0"/>
-              <a:t>1/10/2025</a:t>
+              <a:t>1/11/2025</a:t>
             </a:fld>
             <a:endParaRPr lang="en-US" dirty="0"/>
           </a:p>
@@ -9424,7 +9424,7 @@
         <p:spPr/>
         <p:txBody>
           <a:bodyPr>
-            <a:normAutofit fontScale="92500" lnSpcReduction="20000"/>
+            <a:normAutofit fontScale="70000" lnSpcReduction="20000"/>
             <a:scene3d>
               <a:camera prst="orthographicFront"/>
               <a:lightRig rig="soft" dir="t">
@@ -9469,7 +9469,7 @@
                   </a:outerShdw>
                 </a:effectLst>
               </a:rPr>
-              <a:t>Go to References</a:t>
+              <a:t>Go to Special (Formulas, precedents, Dependents, Blanks)</a:t>
             </a:r>
           </a:p>
           <a:p>
@@ -9560,6 +9560,24 @@
                 </a:effectLst>
               </a:rPr>
               <a:t>Text to Col.</a:t>
+            </a:r>
+          </a:p>
+          <a:p>
+            <a:r>
+              <a:rPr lang="en-US" sz="2800" b="1" dirty="0">
+                <a:ln/>
+                <a:solidFill>
+                  <a:schemeClr val="accent4"/>
+                </a:solidFill>
+                <a:effectLst>
+                  <a:outerShdw blurRad="38100" dist="38100" dir="2700000" algn="tl">
+                    <a:srgbClr val="000000">
+                      <a:alpha val="43137"/>
+                    </a:srgbClr>
+                  </a:outerShdw>
+                </a:effectLst>
+              </a:rPr>
+              <a:t>Flash Fill and Quick Analysis</a:t>
             </a:r>
           </a:p>
           <a:p>
@@ -9793,8 +9811,8 @@
         </p:nvSpPr>
         <p:spPr>
           <a:xfrm>
-            <a:off x="594360" y="202400"/>
-            <a:ext cx="10972800" cy="1570325"/>
+            <a:off x="594360" y="189572"/>
+            <a:ext cx="6787747" cy="1593507"/>
           </a:xfrm>
         </p:spPr>
         <p:txBody>
@@ -9804,12 +9822,52 @@
           <a:lstStyle/>
           <a:p>
             <a:r>
-              <a:rPr lang="en-US" dirty="0"/>
-              <a:t>Go To References</a:t>
+              <a:rPr lang="en-US" dirty="0">
+                <a:solidFill>
+                  <a:schemeClr val="accent3"/>
+                </a:solidFill>
+                <a:latin typeface="Abadi" panose="020F0502020204030204" pitchFamily="34" charset="0"/>
+              </a:rPr>
+              <a:t>Go To Special</a:t>
             </a:r>
           </a:p>
         </p:txBody>
       </p:sp>
+      <p:pic>
+        <p:nvPicPr>
+          <p:cNvPr id="3" name="Content Placeholder 2" descr="A screenshot of a computer&#10;&#10;Description automatically generated">
+            <a:extLst>
+              <a:ext uri="{FF2B5EF4-FFF2-40B4-BE49-F238E27FC236}">
+                <a16:creationId xmlns:a16="http://schemas.microsoft.com/office/drawing/2014/main" id="{C9C4CAB0-D56B-D252-2BD9-46483C1FBC49}"/>
+              </a:ext>
+            </a:extLst>
+          </p:cNvPr>
+          <p:cNvPicPr>
+            <a:picLocks noGrp="1" noChangeAspect="1"/>
+          </p:cNvPicPr>
+          <p:nvPr>
+            <p:ph sz="quarter" idx="13"/>
+          </p:nvPr>
+        </p:nvPicPr>
+        <p:blipFill>
+          <a:blip r:embed="rId2">
+            <a:extLst>
+              <a:ext uri="{28A0092B-C50C-407E-A947-70E740481C1C}">
+                <a14:useLocalDpi xmlns:a14="http://schemas.microsoft.com/office/drawing/2010/main" val="0"/>
+              </a:ext>
+            </a:extLst>
+          </a:blip>
+          <a:stretch>
+            <a:fillRect/>
+          </a:stretch>
+        </p:blipFill>
+        <p:spPr>
+          <a:xfrm>
+            <a:off x="4192949" y="1345338"/>
+            <a:ext cx="4932157" cy="5183478"/>
+          </a:xfrm>
+        </p:spPr>
+      </p:pic>
     </p:spTree>
     <p:extLst>
       <p:ext uri="{BB962C8B-B14F-4D97-AF65-F5344CB8AC3E}">
@@ -9862,12 +9920,7 @@
             <p:ph type="title"/>
           </p:nvPr>
         </p:nvSpPr>
-        <p:spPr>
-          <a:xfrm>
-            <a:off x="594360" y="202400"/>
-            <a:ext cx="10972800" cy="1570325"/>
-          </a:xfrm>
-        </p:spPr>
+        <p:spPr/>
         <p:txBody>
           <a:bodyPr anchor="b">
             <a:normAutofit/>
@@ -9875,9 +9928,319 @@
           <a:lstStyle/>
           <a:p>
             <a:r>
-              <a:rPr lang="en-US" dirty="0"/>
+              <a:rPr lang="en-US" spc="50" dirty="0">
+                <a:solidFill>
+                  <a:schemeClr val="accent3"/>
+                </a:solidFill>
+                <a:latin typeface="Abadi" panose="020F0502020204030204" pitchFamily="34" charset="0"/>
+              </a:rPr>
               <a:t>Transpose</a:t>
             </a:r>
+          </a:p>
+        </p:txBody>
+      </p:sp>
+      <p:pic>
+        <p:nvPicPr>
+          <p:cNvPr id="3" name="Picture 2">
+            <a:extLst>
+              <a:ext uri="{FF2B5EF4-FFF2-40B4-BE49-F238E27FC236}">
+                <a16:creationId xmlns:a16="http://schemas.microsoft.com/office/drawing/2014/main" id="{A0CB8071-61A7-30E0-6616-C15123664E0D}"/>
+              </a:ext>
+            </a:extLst>
+          </p:cNvPr>
+          <p:cNvPicPr>
+            <a:picLocks noChangeAspect="1"/>
+          </p:cNvPicPr>
+          <p:nvPr/>
+        </p:nvPicPr>
+        <p:blipFill>
+          <a:blip r:embed="rId2">
+            <a:extLst>
+              <a:ext uri="{28A0092B-C50C-407E-A947-70E740481C1C}">
+                <a14:useLocalDpi xmlns:a14="http://schemas.microsoft.com/office/drawing/2010/main" val="0"/>
+              </a:ext>
+            </a:extLst>
+          </a:blip>
+          <a:stretch>
+            <a:fillRect/>
+          </a:stretch>
+        </p:blipFill>
+        <p:spPr>
+          <a:xfrm>
+            <a:off x="6684081" y="3747232"/>
+            <a:ext cx="3907844" cy="631807"/>
+          </a:xfrm>
+          <a:prstGeom prst="rect">
+            <a:avLst/>
+          </a:prstGeom>
+        </p:spPr>
+      </p:pic>
+      <p:pic>
+        <p:nvPicPr>
+          <p:cNvPr id="6" name="Picture 5" descr="A screenshot of a computer&#10;&#10;Description automatically generated">
+            <a:extLst>
+              <a:ext uri="{FF2B5EF4-FFF2-40B4-BE49-F238E27FC236}">
+                <a16:creationId xmlns:a16="http://schemas.microsoft.com/office/drawing/2014/main" id="{756FF5E1-5A61-EEE5-7FE5-47C194CA6A3F}"/>
+              </a:ext>
+            </a:extLst>
+          </p:cNvPr>
+          <p:cNvPicPr>
+            <a:picLocks noChangeAspect="1"/>
+          </p:cNvPicPr>
+          <p:nvPr/>
+        </p:nvPicPr>
+        <p:blipFill>
+          <a:blip r:embed="rId3">
+            <a:extLst>
+              <a:ext uri="{28A0092B-C50C-407E-A947-70E740481C1C}">
+                <a14:useLocalDpi xmlns:a14="http://schemas.microsoft.com/office/drawing/2010/main" val="0"/>
+              </a:ext>
+            </a:extLst>
+          </a:blip>
+          <a:stretch>
+            <a:fillRect/>
+          </a:stretch>
+        </p:blipFill>
+        <p:spPr>
+          <a:xfrm>
+            <a:off x="547500" y="2408199"/>
+            <a:ext cx="5183599" cy="4134119"/>
+          </a:xfrm>
+          <a:prstGeom prst="rect">
+            <a:avLst/>
+          </a:prstGeom>
+        </p:spPr>
+      </p:pic>
+      <p:sp>
+        <p:nvSpPr>
+          <p:cNvPr id="9" name="Rectangle: Rounded Corners 8">
+            <a:extLst>
+              <a:ext uri="{FF2B5EF4-FFF2-40B4-BE49-F238E27FC236}">
+                <a16:creationId xmlns:a16="http://schemas.microsoft.com/office/drawing/2014/main" id="{1964A48F-1F4C-B091-25A9-63451500A645}"/>
+              </a:ext>
+            </a:extLst>
+          </p:cNvPr>
+          <p:cNvSpPr/>
+          <p:nvPr/>
+        </p:nvSpPr>
+        <p:spPr>
+          <a:xfrm>
+            <a:off x="3039414" y="5679583"/>
+            <a:ext cx="1403797" cy="450761"/>
+          </a:xfrm>
+          <a:prstGeom prst="roundRect">
+            <a:avLst/>
+          </a:prstGeom>
+          <a:noFill/>
+          <a:ln>
+            <a:noFill/>
+          </a:ln>
+        </p:spPr>
+        <p:style>
+          <a:lnRef idx="2">
+            <a:schemeClr val="accent1">
+              <a:shade val="15000"/>
+            </a:schemeClr>
+          </a:lnRef>
+          <a:fillRef idx="1">
+            <a:schemeClr val="accent1"/>
+          </a:fillRef>
+          <a:effectRef idx="0">
+            <a:schemeClr val="accent1"/>
+          </a:effectRef>
+          <a:fontRef idx="minor">
+            <a:schemeClr val="lt1"/>
+          </a:fontRef>
+        </p:style>
+        <p:txBody>
+          <a:bodyPr rtlCol="0" anchor="ctr"/>
+          <a:lstStyle/>
+          <a:p>
+            <a:pPr algn="ctr"/>
+            <a:endParaRPr lang="en-US"/>
+          </a:p>
+        </p:txBody>
+      </p:sp>
+      <p:sp>
+        <p:nvSpPr>
+          <p:cNvPr id="10" name="Rectangle: Rounded Corners 9">
+            <a:extLst>
+              <a:ext uri="{FF2B5EF4-FFF2-40B4-BE49-F238E27FC236}">
+                <a16:creationId xmlns:a16="http://schemas.microsoft.com/office/drawing/2014/main" id="{AB60DA70-3A7B-3655-A56E-0EAA351BD97D}"/>
+              </a:ext>
+            </a:extLst>
+          </p:cNvPr>
+          <p:cNvSpPr/>
+          <p:nvPr/>
+        </p:nvSpPr>
+        <p:spPr>
+          <a:xfrm>
+            <a:off x="3039414" y="5679583"/>
+            <a:ext cx="1287887" cy="450761"/>
+          </a:xfrm>
+          <a:custGeom>
+            <a:avLst/>
+            <a:gdLst>
+              <a:gd name="connsiteX0" fmla="*/ 0 w 1287887"/>
+              <a:gd name="connsiteY0" fmla="*/ 75128 h 450761"/>
+              <a:gd name="connsiteX1" fmla="*/ 75128 w 1287887"/>
+              <a:gd name="connsiteY1" fmla="*/ 0 h 450761"/>
+              <a:gd name="connsiteX2" fmla="*/ 609815 w 1287887"/>
+              <a:gd name="connsiteY2" fmla="*/ 0 h 450761"/>
+              <a:gd name="connsiteX3" fmla="*/ 1212759 w 1287887"/>
+              <a:gd name="connsiteY3" fmla="*/ 0 h 450761"/>
+              <a:gd name="connsiteX4" fmla="*/ 1287887 w 1287887"/>
+              <a:gd name="connsiteY4" fmla="*/ 75128 h 450761"/>
+              <a:gd name="connsiteX5" fmla="*/ 1287887 w 1287887"/>
+              <a:gd name="connsiteY5" fmla="*/ 375633 h 450761"/>
+              <a:gd name="connsiteX6" fmla="*/ 1212759 w 1287887"/>
+              <a:gd name="connsiteY6" fmla="*/ 450761 h 450761"/>
+              <a:gd name="connsiteX7" fmla="*/ 632567 w 1287887"/>
+              <a:gd name="connsiteY7" fmla="*/ 450761 h 450761"/>
+              <a:gd name="connsiteX8" fmla="*/ 75128 w 1287887"/>
+              <a:gd name="connsiteY8" fmla="*/ 450761 h 450761"/>
+              <a:gd name="connsiteX9" fmla="*/ 0 w 1287887"/>
+              <a:gd name="connsiteY9" fmla="*/ 375633 h 450761"/>
+              <a:gd name="connsiteX10" fmla="*/ 0 w 1287887"/>
+              <a:gd name="connsiteY10" fmla="*/ 75128 h 450761"/>
+            </a:gdLst>
+            <a:ahLst/>
+            <a:cxnLst>
+              <a:cxn ang="0">
+                <a:pos x="connsiteX0" y="connsiteY0"/>
+              </a:cxn>
+              <a:cxn ang="0">
+                <a:pos x="connsiteX1" y="connsiteY1"/>
+              </a:cxn>
+              <a:cxn ang="0">
+                <a:pos x="connsiteX2" y="connsiteY2"/>
+              </a:cxn>
+              <a:cxn ang="0">
+                <a:pos x="connsiteX3" y="connsiteY3"/>
+              </a:cxn>
+              <a:cxn ang="0">
+                <a:pos x="connsiteX4" y="connsiteY4"/>
+              </a:cxn>
+              <a:cxn ang="0">
+                <a:pos x="connsiteX5" y="connsiteY5"/>
+              </a:cxn>
+              <a:cxn ang="0">
+                <a:pos x="connsiteX6" y="connsiteY6"/>
+              </a:cxn>
+              <a:cxn ang="0">
+                <a:pos x="connsiteX7" y="connsiteY7"/>
+              </a:cxn>
+              <a:cxn ang="0">
+                <a:pos x="connsiteX8" y="connsiteY8"/>
+              </a:cxn>
+              <a:cxn ang="0">
+                <a:pos x="connsiteX9" y="connsiteY9"/>
+              </a:cxn>
+              <a:cxn ang="0">
+                <a:pos x="connsiteX10" y="connsiteY10"/>
+              </a:cxn>
+            </a:cxnLst>
+            <a:rect l="l" t="t" r="r" b="b"/>
+            <a:pathLst>
+              <a:path w="1287887" h="450761" extrusionOk="0">
+                <a:moveTo>
+                  <a:pt x="0" y="75128"/>
+                </a:moveTo>
+                <a:cubicBezTo>
+                  <a:pt x="-915" y="33847"/>
+                  <a:pt x="31385" y="1156"/>
+                  <a:pt x="75128" y="0"/>
+                </a:cubicBezTo>
+                <a:cubicBezTo>
+                  <a:pt x="312310" y="-7880"/>
+                  <a:pt x="430785" y="5361"/>
+                  <a:pt x="609815" y="0"/>
+                </a:cubicBezTo>
+                <a:cubicBezTo>
+                  <a:pt x="788845" y="-5361"/>
+                  <a:pt x="1073494" y="21482"/>
+                  <a:pt x="1212759" y="0"/>
+                </a:cubicBezTo>
+                <a:cubicBezTo>
+                  <a:pt x="1256803" y="-884"/>
+                  <a:pt x="1283882" y="25242"/>
+                  <a:pt x="1287887" y="75128"/>
+                </a:cubicBezTo>
+                <a:cubicBezTo>
+                  <a:pt x="1286367" y="181961"/>
+                  <a:pt x="1278574" y="264475"/>
+                  <a:pt x="1287887" y="375633"/>
+                </a:cubicBezTo>
+                <a:cubicBezTo>
+                  <a:pt x="1284680" y="418592"/>
+                  <a:pt x="1248648" y="449928"/>
+                  <a:pt x="1212759" y="450761"/>
+                </a:cubicBezTo>
+                <a:cubicBezTo>
+                  <a:pt x="964912" y="446688"/>
+                  <a:pt x="826477" y="465944"/>
+                  <a:pt x="632567" y="450761"/>
+                </a:cubicBezTo>
+                <a:cubicBezTo>
+                  <a:pt x="438657" y="435578"/>
+                  <a:pt x="187648" y="439188"/>
+                  <a:pt x="75128" y="450761"/>
+                </a:cubicBezTo>
+                <a:cubicBezTo>
+                  <a:pt x="24802" y="445574"/>
+                  <a:pt x="-1074" y="416677"/>
+                  <a:pt x="0" y="375633"/>
+                </a:cubicBezTo>
+                <a:cubicBezTo>
+                  <a:pt x="11344" y="290053"/>
+                  <a:pt x="3588" y="190119"/>
+                  <a:pt x="0" y="75128"/>
+                </a:cubicBezTo>
+                <a:close/>
+              </a:path>
+            </a:pathLst>
+          </a:custGeom>
+          <a:noFill/>
+          <a:ln w="57150">
+            <a:solidFill>
+              <a:srgbClr val="C00000"/>
+            </a:solidFill>
+            <a:extLst>
+              <a:ext uri="{C807C97D-BFC1-408E-A445-0C87EB9F89A2}">
+                <ask:lineSketchStyleProps xmlns:ask="http://schemas.microsoft.com/office/drawing/2018/sketchyshapes" sd="229456993">
+                  <a:prstGeom prst="roundRect">
+                    <a:avLst/>
+                  </a:prstGeom>
+                  <ask:type>
+                    <ask:lineSketchFreehand/>
+                  </ask:type>
+                </ask:lineSketchStyleProps>
+              </a:ext>
+            </a:extLst>
+          </a:ln>
+        </p:spPr>
+        <p:style>
+          <a:lnRef idx="2">
+            <a:schemeClr val="accent1">
+              <a:shade val="15000"/>
+            </a:schemeClr>
+          </a:lnRef>
+          <a:fillRef idx="1">
+            <a:schemeClr val="accent1"/>
+          </a:fillRef>
+          <a:effectRef idx="0">
+            <a:schemeClr val="accent1"/>
+          </a:effectRef>
+          <a:fontRef idx="minor">
+            <a:schemeClr val="lt1"/>
+          </a:fontRef>
+        </p:style>
+        <p:txBody>
+          <a:bodyPr rtlCol="0" anchor="ctr"/>
+          <a:lstStyle/>
+          <a:p>
+            <a:pPr algn="ctr"/>
+            <a:endParaRPr lang="en-US"/>
           </a:p>
         </p:txBody>
       </p:sp>
@@ -9946,42 +10309,60 @@
           <a:lstStyle/>
           <a:p>
             <a:r>
-              <a:rPr lang="en-US" dirty="0"/>
+              <a:rPr lang="en-US" spc="50" dirty="0">
+                <a:solidFill>
+                  <a:schemeClr val="accent3"/>
+                </a:solidFill>
+                <a:latin typeface="Abadi" panose="020F0502020204030204" pitchFamily="34" charset="0"/>
+              </a:rPr>
               <a:t>Convert Fn.</a:t>
             </a:r>
           </a:p>
         </p:txBody>
       </p:sp>
-      <p:sp>
-        <p:nvSpPr>
-          <p:cNvPr id="9" name="Content Placeholder 2">
+      <p:pic>
+        <p:nvPicPr>
+          <p:cNvPr id="3" name="Content Placeholder 2">
             <a:extLst>
               <a:ext uri="{FF2B5EF4-FFF2-40B4-BE49-F238E27FC236}">
-                <a16:creationId xmlns:a16="http://schemas.microsoft.com/office/drawing/2014/main" id="{C3797413-0E8B-6A5E-C045-34A9A2412A26}"/>
+                <a16:creationId xmlns:a16="http://schemas.microsoft.com/office/drawing/2014/main" id="{C4453F25-76F9-2171-2458-0E299A0235CE}"/>
               </a:ext>
             </a:extLst>
           </p:cNvPr>
-          <p:cNvSpPr>
-            <a:spLocks noGrp="1"/>
-          </p:cNvSpPr>
+          <p:cNvPicPr>
+            <a:picLocks noGrp="1" noChangeAspect="1"/>
+          </p:cNvPicPr>
           <p:nvPr>
             <p:ph sz="quarter" idx="13"/>
           </p:nvPr>
-        </p:nvSpPr>
+        </p:nvPicPr>
+        <p:blipFill>
+          <a:blip r:embed="rId2">
+            <a:extLst>
+              <a:ext uri="{BEBA8EAE-BF5A-486C-A8C5-ECC9F3942E4B}">
+                <a14:imgProps xmlns:a14="http://schemas.microsoft.com/office/drawing/2010/main">
+                  <a14:imgLayer r:embed="rId3">
+                    <a14:imgEffect>
+                      <a14:sharpenSoften amount="50000"/>
+                    </a14:imgEffect>
+                  </a14:imgLayer>
+                </a14:imgProps>
+              </a:ext>
+              <a:ext uri="{28A0092B-C50C-407E-A947-70E740481C1C}">
+                <a14:useLocalDpi xmlns:a14="http://schemas.microsoft.com/office/drawing/2010/main" val="0"/>
+              </a:ext>
+            </a:extLst>
+          </a:blip>
+          <a:srcRect l="2791" t="11021" r="2108" b="17606"/>
+          <a:stretch/>
+        </p:blipFill>
         <p:spPr>
           <a:xfrm>
-            <a:off x="3657600" y="2282008"/>
-            <a:ext cx="7810500" cy="3699328"/>
+            <a:off x="2550017" y="2704564"/>
+            <a:ext cx="8126570" cy="579550"/>
           </a:xfrm>
         </p:spPr>
-        <p:txBody>
-          <a:bodyPr/>
-          <a:lstStyle/>
-          <a:p>
-            <a:endParaRPr lang="en-US"/>
-          </a:p>
-        </p:txBody>
-      </p:sp>
+      </p:pic>
     </p:spTree>
     <p:extLst>
       <p:ext uri="{BB962C8B-B14F-4D97-AF65-F5344CB8AC3E}">
@@ -10047,42 +10428,52 @@
           <a:lstStyle/>
           <a:p>
             <a:r>
-              <a:rPr lang="en-US" dirty="0"/>
+              <a:rPr lang="en-US" spc="50" dirty="0">
+                <a:solidFill>
+                  <a:schemeClr val="accent3"/>
+                </a:solidFill>
+                <a:latin typeface="Abadi" panose="020F0502020204030204" pitchFamily="34" charset="0"/>
+              </a:rPr>
               <a:t>Filter Fn.</a:t>
             </a:r>
           </a:p>
         </p:txBody>
       </p:sp>
-      <p:sp>
-        <p:nvSpPr>
-          <p:cNvPr id="9" name="Content Placeholder 2">
+      <p:pic>
+        <p:nvPicPr>
+          <p:cNvPr id="8" name="Content Placeholder 7" descr="A screenshot of a spreadsheet&#10;&#10;Description automatically generated">
             <a:extLst>
               <a:ext uri="{FF2B5EF4-FFF2-40B4-BE49-F238E27FC236}">
-                <a16:creationId xmlns:a16="http://schemas.microsoft.com/office/drawing/2014/main" id="{1C42CDF9-A13F-03EC-F1ED-FAE794F54027}"/>
+                <a16:creationId xmlns:a16="http://schemas.microsoft.com/office/drawing/2014/main" id="{D1302199-F4C8-5E3F-AC38-F5784F492258}"/>
               </a:ext>
             </a:extLst>
           </p:cNvPr>
-          <p:cNvSpPr>
-            <a:spLocks noGrp="1"/>
-          </p:cNvSpPr>
+          <p:cNvPicPr>
+            <a:picLocks noGrp="1" noChangeAspect="1"/>
+          </p:cNvPicPr>
           <p:nvPr>
             <p:ph sz="quarter" idx="13"/>
           </p:nvPr>
-        </p:nvSpPr>
+        </p:nvPicPr>
+        <p:blipFill>
+          <a:blip r:embed="rId2">
+            <a:extLst>
+              <a:ext uri="{28A0092B-C50C-407E-A947-70E740481C1C}">
+                <a14:useLocalDpi xmlns:a14="http://schemas.microsoft.com/office/drawing/2010/main" val="0"/>
+              </a:ext>
+            </a:extLst>
+          </a:blip>
+          <a:stretch>
+            <a:fillRect/>
+          </a:stretch>
+        </p:blipFill>
         <p:spPr>
           <a:xfrm>
-            <a:off x="3657600" y="2282008"/>
-            <a:ext cx="7810500" cy="3699328"/>
+            <a:off x="2917257" y="402336"/>
+            <a:ext cx="8223200" cy="5907024"/>
           </a:xfrm>
         </p:spPr>
-        <p:txBody>
-          <a:bodyPr/>
-          <a:lstStyle/>
-          <a:p>
-            <a:endParaRPr lang="en-US"/>
-          </a:p>
-        </p:txBody>
-      </p:sp>
+      </p:pic>
     </p:spTree>
     <p:extLst>
       <p:ext uri="{BB962C8B-B14F-4D97-AF65-F5344CB8AC3E}">
@@ -10148,38 +10539,251 @@
           <a:lstStyle/>
           <a:p>
             <a:r>
-              <a:rPr lang="en-US" dirty="0"/>
+              <a:rPr lang="en-US" spc="50" dirty="0">
+                <a:solidFill>
+                  <a:schemeClr val="accent3"/>
+                </a:solidFill>
+                <a:latin typeface="Abadi" panose="020F0502020204030204" pitchFamily="34" charset="0"/>
+              </a:rPr>
               <a:t>Text to Columns</a:t>
             </a:r>
           </a:p>
         </p:txBody>
       </p:sp>
-      <p:sp>
-        <p:nvSpPr>
-          <p:cNvPr id="6" name="Content Placeholder 2">
+      <p:pic>
+        <p:nvPicPr>
+          <p:cNvPr id="3" name="Content Placeholder 2" descr="A screenshot of a computer&#10;&#10;Description automatically generated">
             <a:extLst>
               <a:ext uri="{FF2B5EF4-FFF2-40B4-BE49-F238E27FC236}">
-                <a16:creationId xmlns:a16="http://schemas.microsoft.com/office/drawing/2014/main" id="{EC46A70C-7905-F5E1-7F2C-C03C25000D83}"/>
+                <a16:creationId xmlns:a16="http://schemas.microsoft.com/office/drawing/2014/main" id="{876FC92E-ECCF-0607-6A37-12E14CB6ED32}"/>
               </a:ext>
             </a:extLst>
           </p:cNvPr>
-          <p:cNvSpPr>
-            <a:spLocks noGrp="1"/>
-          </p:cNvSpPr>
+          <p:cNvPicPr>
+            <a:picLocks noGrp="1" noChangeAspect="1"/>
+          </p:cNvPicPr>
           <p:nvPr>
             <p:ph sz="quarter" idx="13"/>
           </p:nvPr>
+        </p:nvPicPr>
+        <p:blipFill>
+          <a:blip r:embed="rId2">
+            <a:extLst>
+              <a:ext uri="{28A0092B-C50C-407E-A947-70E740481C1C}">
+                <a14:useLocalDpi xmlns:a14="http://schemas.microsoft.com/office/drawing/2010/main" val="0"/>
+              </a:ext>
+            </a:extLst>
+          </a:blip>
+          <a:stretch>
+            <a:fillRect/>
+          </a:stretch>
+        </p:blipFill>
+        <p:spPr>
+          <a:xfrm>
+            <a:off x="594360" y="2587566"/>
+            <a:ext cx="10707624" cy="2364021"/>
+          </a:xfrm>
+        </p:spPr>
+      </p:pic>
+      <p:sp>
+        <p:nvSpPr>
+          <p:cNvPr id="5" name="Rectangle: Rounded Corners 4">
+            <a:extLst>
+              <a:ext uri="{FF2B5EF4-FFF2-40B4-BE49-F238E27FC236}">
+                <a16:creationId xmlns:a16="http://schemas.microsoft.com/office/drawing/2014/main" id="{D77BBC64-8FD1-BBE0-F709-1C63A6D2EC10}"/>
+              </a:ext>
+            </a:extLst>
+          </p:cNvPr>
+          <p:cNvSpPr/>
+          <p:nvPr/>
         </p:nvSpPr>
         <p:spPr>
           <a:xfrm>
-            <a:off x="3657600" y="2282008"/>
-            <a:ext cx="7810500" cy="3699328"/>
+            <a:off x="8467344" y="2978239"/>
+            <a:ext cx="1053749" cy="1502321"/>
           </a:xfrm>
+          <a:custGeom>
+            <a:avLst/>
+            <a:gdLst>
+              <a:gd name="connsiteX0" fmla="*/ 0 w 1053749"/>
+              <a:gd name="connsiteY0" fmla="*/ 175628 h 1502321"/>
+              <a:gd name="connsiteX1" fmla="*/ 175628 w 1053749"/>
+              <a:gd name="connsiteY1" fmla="*/ 0 h 1502321"/>
+              <a:gd name="connsiteX2" fmla="*/ 505800 w 1053749"/>
+              <a:gd name="connsiteY2" fmla="*/ 0 h 1502321"/>
+              <a:gd name="connsiteX3" fmla="*/ 878121 w 1053749"/>
+              <a:gd name="connsiteY3" fmla="*/ 0 h 1502321"/>
+              <a:gd name="connsiteX4" fmla="*/ 1053749 w 1053749"/>
+              <a:gd name="connsiteY4" fmla="*/ 175628 h 1502321"/>
+              <a:gd name="connsiteX5" fmla="*/ 1053749 w 1053749"/>
+              <a:gd name="connsiteY5" fmla="*/ 751161 h 1502321"/>
+              <a:gd name="connsiteX6" fmla="*/ 1053749 w 1053749"/>
+              <a:gd name="connsiteY6" fmla="*/ 1326693 h 1502321"/>
+              <a:gd name="connsiteX7" fmla="*/ 878121 w 1053749"/>
+              <a:gd name="connsiteY7" fmla="*/ 1502321 h 1502321"/>
+              <a:gd name="connsiteX8" fmla="*/ 547949 w 1053749"/>
+              <a:gd name="connsiteY8" fmla="*/ 1502321 h 1502321"/>
+              <a:gd name="connsiteX9" fmla="*/ 175628 w 1053749"/>
+              <a:gd name="connsiteY9" fmla="*/ 1502321 h 1502321"/>
+              <a:gd name="connsiteX10" fmla="*/ 0 w 1053749"/>
+              <a:gd name="connsiteY10" fmla="*/ 1326693 h 1502321"/>
+              <a:gd name="connsiteX11" fmla="*/ 0 w 1053749"/>
+              <a:gd name="connsiteY11" fmla="*/ 739650 h 1502321"/>
+              <a:gd name="connsiteX12" fmla="*/ 0 w 1053749"/>
+              <a:gd name="connsiteY12" fmla="*/ 175628 h 1502321"/>
+            </a:gdLst>
+            <a:ahLst/>
+            <a:cxnLst>
+              <a:cxn ang="0">
+                <a:pos x="connsiteX0" y="connsiteY0"/>
+              </a:cxn>
+              <a:cxn ang="0">
+                <a:pos x="connsiteX1" y="connsiteY1"/>
+              </a:cxn>
+              <a:cxn ang="0">
+                <a:pos x="connsiteX2" y="connsiteY2"/>
+              </a:cxn>
+              <a:cxn ang="0">
+                <a:pos x="connsiteX3" y="connsiteY3"/>
+              </a:cxn>
+              <a:cxn ang="0">
+                <a:pos x="connsiteX4" y="connsiteY4"/>
+              </a:cxn>
+              <a:cxn ang="0">
+                <a:pos x="connsiteX5" y="connsiteY5"/>
+              </a:cxn>
+              <a:cxn ang="0">
+                <a:pos x="connsiteX6" y="connsiteY6"/>
+              </a:cxn>
+              <a:cxn ang="0">
+                <a:pos x="connsiteX7" y="connsiteY7"/>
+              </a:cxn>
+              <a:cxn ang="0">
+                <a:pos x="connsiteX8" y="connsiteY8"/>
+              </a:cxn>
+              <a:cxn ang="0">
+                <a:pos x="connsiteX9" y="connsiteY9"/>
+              </a:cxn>
+              <a:cxn ang="0">
+                <a:pos x="connsiteX10" y="connsiteY10"/>
+              </a:cxn>
+              <a:cxn ang="0">
+                <a:pos x="connsiteX11" y="connsiteY11"/>
+              </a:cxn>
+              <a:cxn ang="0">
+                <a:pos x="connsiteX12" y="connsiteY12"/>
+              </a:cxn>
+            </a:cxnLst>
+            <a:rect l="l" t="t" r="r" b="b"/>
+            <a:pathLst>
+              <a:path w="1053749" h="1502321" extrusionOk="0">
+                <a:moveTo>
+                  <a:pt x="0" y="175628"/>
+                </a:moveTo>
+                <a:cubicBezTo>
+                  <a:pt x="-12546" y="81525"/>
+                  <a:pt x="74083" y="2335"/>
+                  <a:pt x="175628" y="0"/>
+                </a:cubicBezTo>
+                <a:cubicBezTo>
+                  <a:pt x="291151" y="4584"/>
+                  <a:pt x="373497" y="9130"/>
+                  <a:pt x="505800" y="0"/>
+                </a:cubicBezTo>
+                <a:cubicBezTo>
+                  <a:pt x="638103" y="-9130"/>
+                  <a:pt x="765168" y="16037"/>
+                  <a:pt x="878121" y="0"/>
+                </a:cubicBezTo>
+                <a:cubicBezTo>
+                  <a:pt x="993439" y="-6348"/>
+                  <a:pt x="1050262" y="71323"/>
+                  <a:pt x="1053749" y="175628"/>
+                </a:cubicBezTo>
+                <a:cubicBezTo>
+                  <a:pt x="1071945" y="292470"/>
+                  <a:pt x="1071901" y="565672"/>
+                  <a:pt x="1053749" y="751161"/>
+                </a:cubicBezTo>
+                <a:cubicBezTo>
+                  <a:pt x="1035597" y="936650"/>
+                  <a:pt x="1032249" y="1080551"/>
+                  <a:pt x="1053749" y="1326693"/>
+                </a:cubicBezTo>
+                <a:cubicBezTo>
+                  <a:pt x="1070687" y="1435433"/>
+                  <a:pt x="972055" y="1507067"/>
+                  <a:pt x="878121" y="1502321"/>
+                </a:cubicBezTo>
+                <a:cubicBezTo>
+                  <a:pt x="779104" y="1508543"/>
+                  <a:pt x="707553" y="1518630"/>
+                  <a:pt x="547949" y="1502321"/>
+                </a:cubicBezTo>
+                <a:cubicBezTo>
+                  <a:pt x="388345" y="1486012"/>
+                  <a:pt x="290454" y="1512615"/>
+                  <a:pt x="175628" y="1502321"/>
+                </a:cubicBezTo>
+                <a:cubicBezTo>
+                  <a:pt x="101073" y="1503314"/>
+                  <a:pt x="9777" y="1429878"/>
+                  <a:pt x="0" y="1326693"/>
+                </a:cubicBezTo>
+                <a:cubicBezTo>
+                  <a:pt x="15336" y="1148714"/>
+                  <a:pt x="-26603" y="961409"/>
+                  <a:pt x="0" y="739650"/>
+                </a:cubicBezTo>
+                <a:cubicBezTo>
+                  <a:pt x="26603" y="517891"/>
+                  <a:pt x="-5472" y="434484"/>
+                  <a:pt x="0" y="175628"/>
+                </a:cubicBezTo>
+                <a:close/>
+              </a:path>
+            </a:pathLst>
+          </a:custGeom>
+          <a:noFill/>
+          <a:ln w="57150">
+            <a:solidFill>
+              <a:srgbClr val="C00000"/>
+            </a:solidFill>
+            <a:extLst>
+              <a:ext uri="{C807C97D-BFC1-408E-A445-0C87EB9F89A2}">
+                <ask:lineSketchStyleProps xmlns:ask="http://schemas.microsoft.com/office/drawing/2018/sketchyshapes" sd="229456993">
+                  <a:prstGeom prst="roundRect">
+                    <a:avLst/>
+                  </a:prstGeom>
+                  <ask:type>
+                    <ask:lineSketchFreehand/>
+                  </ask:type>
+                </ask:lineSketchStyleProps>
+              </a:ext>
+            </a:extLst>
+          </a:ln>
         </p:spPr>
+        <p:style>
+          <a:lnRef idx="2">
+            <a:schemeClr val="accent1">
+              <a:shade val="15000"/>
+            </a:schemeClr>
+          </a:lnRef>
+          <a:fillRef idx="1">
+            <a:schemeClr val="accent1"/>
+          </a:fillRef>
+          <a:effectRef idx="0">
+            <a:schemeClr val="accent1"/>
+          </a:effectRef>
+          <a:fontRef idx="minor">
+            <a:schemeClr val="lt1"/>
+          </a:fontRef>
+        </p:style>
         <p:txBody>
-          <a:bodyPr/>
+          <a:bodyPr rtlCol="0" anchor="ctr"/>
           <a:lstStyle/>
           <a:p>
+            <a:pPr algn="ctr"/>
             <a:endParaRPr lang="en-US"/>
           </a:p>
         </p:txBody>
@@ -10243,7 +10847,12 @@
           <a:lstStyle/>
           <a:p>
             <a:r>
-              <a:rPr lang="en-US" dirty="0"/>
+              <a:rPr lang="en-US" dirty="0">
+                <a:solidFill>
+                  <a:schemeClr val="accent3"/>
+                </a:solidFill>
+                <a:latin typeface="Abadi" panose="020B0604020104020204" pitchFamily="34" charset="0"/>
+              </a:rPr>
               <a:t>Timeline</a:t>
             </a:r>
           </a:p>
@@ -10311,7 +10920,9 @@
           <a:lstStyle/>
           <a:p>
             <a:r>
-              <a:rPr lang="en-US" dirty="0"/>
+              <a:rPr lang="en-US" dirty="0">
+                <a:latin typeface="Abadi" panose="020B0604020104020204" pitchFamily="34" charset="0"/>
+              </a:rPr>
               <a:t>Using Conditional Formatting</a:t>
             </a:r>
           </a:p>
@@ -10323,12 +10934,15 @@
                     <a:lumMod val="50000"/>
                   </a:schemeClr>
                 </a:solidFill>
+                <a:latin typeface="Abadi" panose="020B0604020104020204" pitchFamily="34" charset="0"/>
               </a:rPr>
               <a:t>=AND(D$2&lt;=$C4,D$2&gt;=$B4)</a:t>
             </a:r>
           </a:p>
           <a:p>
-            <a:endParaRPr lang="en-US" dirty="0"/>
+            <a:endParaRPr lang="en-US" dirty="0">
+              <a:latin typeface="Abadi" panose="020B0604020104020204" pitchFamily="34" charset="0"/>
+            </a:endParaRPr>
           </a:p>
         </p:txBody>
       </p:sp>
@@ -11137,15 +11751,6 @@
 </file>
 
 <file path=customXml/item1.xml><?xml version="1.0" encoding="utf-8"?>
-<?mso-contentType ?>
-<FormTemplates xmlns="http://schemas.microsoft.com/sharepoint/v3/contenttype/forms">
-  <Display>DocumentLibraryForm</Display>
-  <Edit>DocumentLibraryForm</Edit>
-  <New>DocumentLibraryForm</New>
-</FormTemplates>
-</file>
-
-<file path=customXml/item2.xml><?xml version="1.0" encoding="utf-8"?>
 <ct:contentTypeSchema xmlns:ct="http://schemas.microsoft.com/office/2006/metadata/contentType" xmlns:ma="http://schemas.microsoft.com/office/2006/metadata/properties/metaAttributes" ct:_="" ma:_="" ma:contentTypeName="Document" ma:contentTypeID="0x01010079F111ED35F8CC479449609E8A0923A6" ma:contentTypeVersion="28" ma:contentTypeDescription="Create a new document." ma:contentTypeScope="" ma:versionID="60f5a4f2d2b0abadcf532d48ebf9cb71">
   <xsd:schema xmlns:xsd="http://www.w3.org/2001/XMLSchema" xmlns:xs="http://www.w3.org/2001/XMLSchema" xmlns:p="http://schemas.microsoft.com/office/2006/metadata/properties" xmlns:ns1="http://schemas.microsoft.com/sharepoint/v3" xmlns:ns2="71af3243-3dd4-4a8d-8c0d-dd76da1f02a5" xmlns:ns3="16c05727-aa75-4e4a-9b5f-8a80a1165891" xmlns:ns4="230e9df3-be65-4c73-a93b-d1236ebd677e" targetNamespace="http://schemas.microsoft.com/office/2006/metadata/properties" ma:root="true" ma:fieldsID="7dd78129e6a1811f84807ad11c651531" ns1:_="" ns2:_="" ns3:_="" ns4:_="">
     <xsd:import namespace="http://schemas.microsoft.com/sharepoint/v3"/>
@@ -11457,6 +12062,15 @@
 </ct:contentTypeSchema>
 </file>
 
+<file path=customXml/item2.xml><?xml version="1.0" encoding="utf-8"?>
+<?mso-contentType ?>
+<FormTemplates xmlns="http://schemas.microsoft.com/sharepoint/v3/contenttype/forms">
+  <Display>DocumentLibraryForm</Display>
+  <Edit>DocumentLibraryForm</Edit>
+  <New>DocumentLibraryForm</New>
+</FormTemplates>
+</file>
+
 <file path=customXml/item3.xml><?xml version="1.0" encoding="utf-8"?>
 <p:properties xmlns:p="http://schemas.microsoft.com/office/2006/metadata/properties" xmlns:xsi="http://www.w3.org/2001/XMLSchema-instance" xmlns:pc="http://schemas.microsoft.com/office/infopath/2007/PartnerControls">
   <documentManagement>
@@ -11478,14 +12092,6 @@
 </file>
 
 <file path=customXml/itemProps1.xml><?xml version="1.0" encoding="utf-8"?>
-<ds:datastoreItem xmlns:ds="http://schemas.openxmlformats.org/officeDocument/2006/customXml" ds:itemID="{C21FFAC0-05A2-416A-B06C-C248395482CF}">
-  <ds:schemaRefs>
-    <ds:schemaRef ds:uri="http://schemas.microsoft.com/sharepoint/v3/contenttype/forms"/>
-  </ds:schemaRefs>
-</ds:datastoreItem>
-</file>
-
-<file path=customXml/itemProps2.xml><?xml version="1.0" encoding="utf-8"?>
 <ds:datastoreItem xmlns:ds="http://schemas.openxmlformats.org/officeDocument/2006/customXml" ds:itemID="{92DB9E12-8AC3-4138-BF4D-720A5525AB10}">
   <ds:schemaRefs>
     <ds:schemaRef ds:uri="http://schemas.microsoft.com/office/2006/metadata/contentType"/>
@@ -11506,6 +12112,14 @@
 </ds:datastoreItem>
 </file>
 
+<file path=customXml/itemProps2.xml><?xml version="1.0" encoding="utf-8"?>
+<ds:datastoreItem xmlns:ds="http://schemas.openxmlformats.org/officeDocument/2006/customXml" ds:itemID="{C21FFAC0-05A2-416A-B06C-C248395482CF}">
+  <ds:schemaRefs>
+    <ds:schemaRef ds:uri="http://schemas.microsoft.com/sharepoint/v3/contenttype/forms"/>
+  </ds:schemaRefs>
+</ds:datastoreItem>
+</file>
+
 <file path=customXml/itemProps3.xml><?xml version="1.0" encoding="utf-8"?>
 <ds:datastoreItem xmlns:ds="http://schemas.openxmlformats.org/officeDocument/2006/customXml" ds:itemID="{4F4B194E-8B30-4377-8C59-ECFB902D2A26}">
   <ds:schemaRefs>
